--- a/University of Washington Class/Module 10 - Microgrids.pptx
+++ b/University of Washington Class/Module 10 - Microgrids.pptx
@@ -5,7 +5,7 @@
     <p:sldMasterId id="2147483660" r:id="rId1"/>
   </p:sldMasterIdLst>
   <p:notesMasterIdLst>
-    <p:notesMasterId r:id="rId53"/>
+    <p:notesMasterId r:id="rId54"/>
   </p:notesMasterIdLst>
   <p:sldIdLst>
     <p:sldId id="259" r:id="rId2"/>
@@ -59,6 +59,7 @@
     <p:sldId id="306" r:id="rId50"/>
     <p:sldId id="313" r:id="rId51"/>
     <p:sldId id="274" r:id="rId52"/>
+    <p:sldId id="317" r:id="rId53"/>
   </p:sldIdLst>
   <p:sldSz cx="9144000" cy="6858000" type="screen4x3"/>
   <p:notesSz cx="6858000" cy="9144000"/>
@@ -272,7 +273,7 @@
           <a:p>
             <a:fld id="{AC91123B-733E-4F01-8B83-D24530315D2C}" type="datetimeFigureOut">
               <a:rPr lang="en-US" smtClean="0"/>
-              <a:t>10/25/2011</a:t>
+              <a:t>11/14/2011</a:t>
             </a:fld>
             <a:endParaRPr lang="en-US"/>
           </a:p>
@@ -854,7 +855,7 @@
             </a:pPr>
             <a:fld id="{E111136F-C8BC-4D8E-8EC9-DBEA4D0F8324}" type="datetime1">
               <a:rPr lang="en-US" smtClean="0"/>
-              <a:t>10/25/2011</a:t>
+              <a:t>11/14/2011</a:t>
             </a:fld>
             <a:endParaRPr lang="en-US"/>
           </a:p>
@@ -1072,7 +1073,7 @@
             </a:pPr>
             <a:fld id="{9381E6D0-FB2D-4EBA-8E41-2012F447873B}" type="datetime1">
               <a:rPr lang="en-US" smtClean="0"/>
-              <a:t>10/25/2011</a:t>
+              <a:t>11/14/2011</a:t>
             </a:fld>
             <a:endParaRPr lang="en-US"/>
           </a:p>
@@ -1394,7 +1395,7 @@
             </a:pPr>
             <a:fld id="{B75350A1-1BC1-4E49-9B26-19891B426B54}" type="datetime1">
               <a:rPr lang="en-US" smtClean="0"/>
-              <a:t>10/25/2011</a:t>
+              <a:t>11/14/2011</a:t>
             </a:fld>
             <a:endParaRPr lang="en-US"/>
           </a:p>
@@ -1842,7 +1843,7 @@
             </a:pPr>
             <a:fld id="{8C952E9D-57F8-4D34-998F-BB242124624A}" type="datetime1">
               <a:rPr lang="en-US" smtClean="0"/>
-              <a:t>10/25/2011</a:t>
+              <a:t>11/14/2011</a:t>
             </a:fld>
             <a:endParaRPr lang="en-US"/>
           </a:p>
@@ -1984,7 +1985,7 @@
             </a:pPr>
             <a:fld id="{981DCD5F-2CF6-4CDA-B743-BD0BAE89C266}" type="datetime1">
               <a:rPr lang="en-US" smtClean="0"/>
-              <a:t>10/25/2011</a:t>
+              <a:t>11/14/2011</a:t>
             </a:fld>
             <a:endParaRPr lang="en-US"/>
           </a:p>
@@ -2103,7 +2104,7 @@
             </a:pPr>
             <a:fld id="{7DADF7D8-D6C4-45F6-A9C6-48DA1A3486EB}" type="datetime1">
               <a:rPr lang="en-US" smtClean="0"/>
-              <a:t>10/25/2011</a:t>
+              <a:t>11/14/2011</a:t>
             </a:fld>
             <a:endParaRPr lang="en-US"/>
           </a:p>
@@ -2393,7 +2394,7 @@
             </a:pPr>
             <a:fld id="{2DE3C46D-125B-417B-A4A0-83D764B2678A}" type="datetime1">
               <a:rPr lang="en-US" smtClean="0"/>
-              <a:t>10/25/2011</a:t>
+              <a:t>11/14/2011</a:t>
             </a:fld>
             <a:endParaRPr lang="en-US"/>
           </a:p>
@@ -2937,9 +2938,10 @@
           <a:lstStyle/>
           <a:p>
             <a:r>
-              <a:rPr lang="en-US" dirty="0" smtClean="0"/>
-              <a:t>Introduction to microgrids</a:t>
-            </a:r>
+              <a:rPr lang="en-US" dirty="0"/>
+              <a:t>Substation and Distribution Automation</a:t>
+            </a:r>
+            <a:endParaRPr lang="en-US" dirty="0" smtClean="0"/>
           </a:p>
         </p:txBody>
       </p:sp>
@@ -2959,8 +2961,28 @@
           <a:lstStyle/>
           <a:p>
             <a:r>
-              <a:rPr lang="en-US" dirty="0" smtClean="0"/>
-              <a:t>WSU/UW…</a:t>
+              <a:rPr lang="en-US" dirty="0"/>
+              <a:t>Module </a:t>
+            </a:r>
+            <a:r>
+              <a:rPr lang="en-US" dirty="0" smtClean="0"/>
+              <a:t>10</a:t>
+            </a:r>
+            <a:r>
+              <a:rPr lang="en-US" smtClean="0"/>
+              <a:t>: </a:t>
+            </a:r>
+            <a:r>
+              <a:rPr lang="en-US"/>
+              <a:t>Introduction </a:t>
+            </a:r>
+            <a:r>
+              <a:rPr lang="en-US"/>
+              <a:t>to </a:t>
+            </a:r>
+            <a:r>
+              <a:rPr lang="en-US" smtClean="0"/>
+              <a:t>Micro-Grids</a:t>
             </a:r>
             <a:endParaRPr lang="en-US" dirty="0"/>
           </a:p>
@@ -13584,6 +13606,160 @@
 </p:sld>
 </file>
 
+<file path=ppt/slides/slide52.xml><?xml version="1.0" encoding="utf-8"?>
+<p:sld xmlns:a="http://schemas.openxmlformats.org/drawingml/2006/main" xmlns:r="http://schemas.openxmlformats.org/officeDocument/2006/relationships" xmlns:p="http://schemas.openxmlformats.org/presentationml/2006/main">
+  <p:cSld>
+    <p:spTree>
+      <p:nvGrpSpPr>
+        <p:cNvPr id="1" name=""/>
+        <p:cNvGrpSpPr/>
+        <p:nvPr/>
+      </p:nvGrpSpPr>
+      <p:grpSpPr>
+        <a:xfrm>
+          <a:off x="0" y="0"/>
+          <a:ext cx="0" cy="0"/>
+          <a:chOff x="0" y="0"/>
+          <a:chExt cx="0" cy="0"/>
+        </a:xfrm>
+      </p:grpSpPr>
+      <p:sp>
+        <p:nvSpPr>
+          <p:cNvPr id="43010" name="Rectangle 2"/>
+          <p:cNvSpPr>
+            <a:spLocks noGrp="1" noChangeArrowheads="1"/>
+          </p:cNvSpPr>
+          <p:nvPr>
+            <p:ph type="title"/>
+          </p:nvPr>
+        </p:nvSpPr>
+        <p:spPr/>
+        <p:txBody>
+          <a:bodyPr/>
+          <a:lstStyle/>
+          <a:p>
+            <a:r>
+              <a:rPr lang="en-US" smtClean="0"/>
+              <a:t>Module 10 </a:t>
+            </a:r>
+            <a:r>
+              <a:rPr lang="en-US" dirty="0" smtClean="0"/>
+              <a:t>Concluding Comments</a:t>
+            </a:r>
+            <a:endParaRPr lang="en-US" dirty="0"/>
+          </a:p>
+        </p:txBody>
+      </p:sp>
+      <p:sp>
+        <p:nvSpPr>
+          <p:cNvPr id="43011" name="Rectangle 3"/>
+          <p:cNvSpPr>
+            <a:spLocks noGrp="1" noChangeArrowheads="1"/>
+          </p:cNvSpPr>
+          <p:nvPr>
+            <p:ph type="body" idx="1"/>
+          </p:nvPr>
+        </p:nvSpPr>
+        <p:spPr>
+          <a:xfrm>
+            <a:off x="379143" y="1295400"/>
+            <a:ext cx="8612457" cy="4953000"/>
+          </a:xfrm>
+        </p:spPr>
+        <p:txBody>
+          <a:bodyPr>
+            <a:normAutofit/>
+          </a:bodyPr>
+          <a:lstStyle/>
+          <a:p>
+            <a:pPr>
+              <a:lnSpc>
+                <a:spcPct val="100000"/>
+              </a:lnSpc>
+              <a:spcBef>
+                <a:spcPts val="900"/>
+              </a:spcBef>
+            </a:pPr>
+            <a:r>
+              <a:rPr lang="en-US" sz="2200" dirty="0" smtClean="0"/>
+              <a:t>1</a:t>
+            </a:r>
+          </a:p>
+          <a:p>
+            <a:pPr>
+              <a:lnSpc>
+                <a:spcPct val="100000"/>
+              </a:lnSpc>
+              <a:spcBef>
+                <a:spcPts val="900"/>
+              </a:spcBef>
+            </a:pPr>
+            <a:r>
+              <a:rPr lang="en-US" sz="2200" dirty="0" smtClean="0"/>
+              <a:t>2</a:t>
+            </a:r>
+          </a:p>
+          <a:p>
+            <a:pPr>
+              <a:lnSpc>
+                <a:spcPct val="100000"/>
+              </a:lnSpc>
+              <a:spcBef>
+                <a:spcPts val="900"/>
+              </a:spcBef>
+            </a:pPr>
+            <a:r>
+              <a:rPr lang="en-US" sz="2200" dirty="0" smtClean="0"/>
+              <a:t>3</a:t>
+            </a:r>
+          </a:p>
+          <a:p>
+            <a:pPr>
+              <a:lnSpc>
+                <a:spcPct val="100000"/>
+              </a:lnSpc>
+              <a:spcBef>
+                <a:spcPts val="900"/>
+              </a:spcBef>
+            </a:pPr>
+            <a:r>
+              <a:rPr lang="en-US" sz="2200" smtClean="0"/>
+              <a:t>4</a:t>
+            </a:r>
+          </a:p>
+          <a:p>
+            <a:pPr>
+              <a:lnSpc>
+                <a:spcPct val="100000"/>
+              </a:lnSpc>
+              <a:spcBef>
+                <a:spcPts val="900"/>
+              </a:spcBef>
+            </a:pPr>
+            <a:endParaRPr lang="en-US" sz="2200" dirty="0" smtClean="0"/>
+          </a:p>
+        </p:txBody>
+      </p:sp>
+    </p:spTree>
+    <p:extLst>
+      <p:ext uri="{BB962C8B-B14F-4D97-AF65-F5344CB8AC3E}">
+        <p14:creationId xmlns:p14="http://schemas.microsoft.com/office/powerpoint/2010/main" val="901456813"/>
+      </p:ext>
+    </p:extLst>
+  </p:cSld>
+  <p:clrMapOvr>
+    <a:masterClrMapping/>
+  </p:clrMapOvr>
+  <p:timing>
+    <p:tnLst>
+      <p:par>
+        <p:cTn id="1" dur="indefinite" restart="never" nodeType="tmRoot"/>
+      </p:par>
+    </p:tnLst>
+  </p:timing>
+</p:sld>
+</file>
+
 <file path=ppt/slides/slide6.xml><?xml version="1.0" encoding="utf-8"?>
 <p:sld xmlns:a="http://schemas.openxmlformats.org/drawingml/2006/main" xmlns:r="http://schemas.openxmlformats.org/officeDocument/2006/relationships" xmlns:p="http://schemas.openxmlformats.org/presentationml/2006/main">
   <p:cSld>
